--- a/public/assets/SC/5- FC-SC/FC-SC-4114 Uniforme laboratorio.pptx
+++ b/public/assets/SC/5- FC-SC/FC-SC-4114 Uniforme laboratorio.pptx
@@ -203,7 +203,7 @@
           <a:p>
             <a:fld id="{C2CC7DF8-0F71-4354-86B4-61434162F18A}" type="datetimeFigureOut">
               <a:rPr lang="es-MX" smtClean="0"/>
-              <a:t>22/08/2020</a:t>
+              <a:t>24/01/2022</a:t>
             </a:fld>
             <a:endParaRPr lang="es-MX"/>
           </a:p>
@@ -368,7 +368,7 @@
           <a:p>
             <a:fld id="{D1608416-1C3E-4635-8290-9CCA21519444}" type="datetimeFigureOut">
               <a:rPr lang="es-MX" smtClean="0"/>
-              <a:t>22/08/2020</a:t>
+              <a:t>24/01/2022</a:t>
             </a:fld>
             <a:endParaRPr lang="es-MX"/>
           </a:p>
@@ -432,35 +432,35 @@
           <a:p>
             <a:pPr lvl="0"/>
             <a:r>
-              <a:rPr lang="es-ES" smtClean="0"/>
+              <a:rPr lang="es-ES"/>
               <a:t>Haga clic para modificar el estilo de texto del patrón</a:t>
             </a:r>
           </a:p>
           <a:p>
             <a:pPr lvl="1"/>
             <a:r>
-              <a:rPr lang="es-ES" smtClean="0"/>
+              <a:rPr lang="es-ES"/>
               <a:t>Segundo nivel</a:t>
             </a:r>
           </a:p>
           <a:p>
             <a:pPr lvl="2"/>
             <a:r>
-              <a:rPr lang="es-ES" smtClean="0"/>
+              <a:rPr lang="es-ES"/>
               <a:t>Tercer nivel</a:t>
             </a:r>
           </a:p>
           <a:p>
             <a:pPr lvl="3"/>
             <a:r>
-              <a:rPr lang="es-ES" smtClean="0"/>
+              <a:rPr lang="es-ES"/>
               <a:t>Cuarto nivel</a:t>
             </a:r>
           </a:p>
           <a:p>
             <a:pPr lvl="4"/>
             <a:r>
-              <a:rPr lang="es-ES" smtClean="0"/>
+              <a:rPr lang="es-ES"/>
               <a:t>Quinto nivel</a:t>
             </a:r>
             <a:endParaRPr lang="es-MX"/>
@@ -678,7 +678,7 @@
           </a:lstStyle>
           <a:p>
             <a:r>
-              <a:rPr lang="es-ES" smtClean="0"/>
+              <a:rPr lang="es-ES"/>
               <a:t>Haga clic para modificar el estilo de título del patrón</a:t>
             </a:r>
             <a:endParaRPr lang="es-MX"/>
@@ -743,7 +743,7 @@
           </a:lstStyle>
           <a:p>
             <a:r>
-              <a:rPr lang="es-ES" smtClean="0"/>
+              <a:rPr lang="es-ES"/>
               <a:t>Haga clic para modificar el estilo de subtítulo del patrón</a:t>
             </a:r>
             <a:endParaRPr lang="es-MX"/>
@@ -767,7 +767,7 @@
           <a:p>
             <a:fld id="{005BD863-90F7-46B4-97C8-ECF37E38BBEF}" type="datetimeFigureOut">
               <a:rPr lang="es-MX" smtClean="0"/>
-              <a:t>22/08/2020</a:t>
+              <a:t>24/01/2022</a:t>
             </a:fld>
             <a:endParaRPr lang="es-MX"/>
           </a:p>
@@ -861,7 +861,7 @@
           <a:lstStyle/>
           <a:p>
             <a:r>
-              <a:rPr lang="es-ES" smtClean="0"/>
+              <a:rPr lang="es-ES"/>
               <a:t>Haga clic para modificar el estilo de título del patrón</a:t>
             </a:r>
             <a:endParaRPr lang="es-MX"/>
@@ -885,35 +885,35 @@
           <a:p>
             <a:pPr lvl="0"/>
             <a:r>
-              <a:rPr lang="es-ES" smtClean="0"/>
+              <a:rPr lang="es-ES"/>
               <a:t>Haga clic para modificar el estilo de texto del patrón</a:t>
             </a:r>
           </a:p>
           <a:p>
             <a:pPr lvl="1"/>
             <a:r>
-              <a:rPr lang="es-ES" smtClean="0"/>
+              <a:rPr lang="es-ES"/>
               <a:t>Segundo nivel</a:t>
             </a:r>
           </a:p>
           <a:p>
             <a:pPr lvl="2"/>
             <a:r>
-              <a:rPr lang="es-ES" smtClean="0"/>
+              <a:rPr lang="es-ES"/>
               <a:t>Tercer nivel</a:t>
             </a:r>
           </a:p>
           <a:p>
             <a:pPr lvl="3"/>
             <a:r>
-              <a:rPr lang="es-ES" smtClean="0"/>
+              <a:rPr lang="es-ES"/>
               <a:t>Cuarto nivel</a:t>
             </a:r>
           </a:p>
           <a:p>
             <a:pPr lvl="4"/>
             <a:r>
-              <a:rPr lang="es-ES" smtClean="0"/>
+              <a:rPr lang="es-ES"/>
               <a:t>Quinto nivel</a:t>
             </a:r>
             <a:endParaRPr lang="es-MX"/>
@@ -937,7 +937,7 @@
           <a:p>
             <a:fld id="{005BD863-90F7-46B4-97C8-ECF37E38BBEF}" type="datetimeFigureOut">
               <a:rPr lang="es-MX" smtClean="0"/>
-              <a:t>22/08/2020</a:t>
+              <a:t>24/01/2022</a:t>
             </a:fld>
             <a:endParaRPr lang="es-MX"/>
           </a:p>
@@ -1036,7 +1036,7 @@
           <a:lstStyle/>
           <a:p>
             <a:r>
-              <a:rPr lang="es-ES" smtClean="0"/>
+              <a:rPr lang="es-ES"/>
               <a:t>Haga clic para modificar el estilo de título del patrón</a:t>
             </a:r>
             <a:endParaRPr lang="es-MX"/>
@@ -1065,35 +1065,35 @@
           <a:p>
             <a:pPr lvl="0"/>
             <a:r>
-              <a:rPr lang="es-ES" smtClean="0"/>
+              <a:rPr lang="es-ES"/>
               <a:t>Haga clic para modificar el estilo de texto del patrón</a:t>
             </a:r>
           </a:p>
           <a:p>
             <a:pPr lvl="1"/>
             <a:r>
-              <a:rPr lang="es-ES" smtClean="0"/>
+              <a:rPr lang="es-ES"/>
               <a:t>Segundo nivel</a:t>
             </a:r>
           </a:p>
           <a:p>
             <a:pPr lvl="2"/>
             <a:r>
-              <a:rPr lang="es-ES" smtClean="0"/>
+              <a:rPr lang="es-ES"/>
               <a:t>Tercer nivel</a:t>
             </a:r>
           </a:p>
           <a:p>
             <a:pPr lvl="3"/>
             <a:r>
-              <a:rPr lang="es-ES" smtClean="0"/>
+              <a:rPr lang="es-ES"/>
               <a:t>Cuarto nivel</a:t>
             </a:r>
           </a:p>
           <a:p>
             <a:pPr lvl="4"/>
             <a:r>
-              <a:rPr lang="es-ES" smtClean="0"/>
+              <a:rPr lang="es-ES"/>
               <a:t>Quinto nivel</a:t>
             </a:r>
             <a:endParaRPr lang="es-MX"/>
@@ -1117,7 +1117,7 @@
           <a:p>
             <a:fld id="{005BD863-90F7-46B4-97C8-ECF37E38BBEF}" type="datetimeFigureOut">
               <a:rPr lang="es-MX" smtClean="0"/>
-              <a:t>22/08/2020</a:t>
+              <a:t>24/01/2022</a:t>
             </a:fld>
             <a:endParaRPr lang="es-MX"/>
           </a:p>
@@ -1212,35 +1212,35 @@
           <a:p>
             <a:pPr lvl="0"/>
             <a:r>
-              <a:rPr lang="es-ES" smtClean="0"/>
+              <a:rPr lang="es-ES"/>
               <a:t>Haga clic para modificar el estilo de texto del patrón</a:t>
             </a:r>
           </a:p>
           <a:p>
             <a:pPr lvl="1"/>
             <a:r>
-              <a:rPr lang="es-ES" smtClean="0"/>
+              <a:rPr lang="es-ES"/>
               <a:t>Segundo nivel</a:t>
             </a:r>
           </a:p>
           <a:p>
             <a:pPr lvl="2"/>
             <a:r>
-              <a:rPr lang="es-ES" smtClean="0"/>
+              <a:rPr lang="es-ES"/>
               <a:t>Tercer nivel</a:t>
             </a:r>
           </a:p>
           <a:p>
             <a:pPr lvl="3"/>
             <a:r>
-              <a:rPr lang="es-ES" smtClean="0"/>
+              <a:rPr lang="es-ES"/>
               <a:t>Cuarto nivel</a:t>
             </a:r>
           </a:p>
           <a:p>
             <a:pPr lvl="4"/>
             <a:r>
-              <a:rPr lang="es-ES" smtClean="0"/>
+              <a:rPr lang="es-ES"/>
               <a:t>Quinto nivel</a:t>
             </a:r>
             <a:endParaRPr lang="es-MX"/>
@@ -1352,7 +1352,7 @@
           <a:p>
             <a:pPr algn="r"/>
             <a:r>
-              <a:rPr lang="es-MX" sz="2400" b="1" i="1" dirty="0" smtClean="0">
+              <a:rPr lang="es-MX" sz="2400" b="1" i="1" dirty="0">
                 <a:solidFill>
                   <a:srgbClr val="A50021"/>
                 </a:solidFill>
@@ -1360,12 +1360,6 @@
               </a:rPr>
               <a:t>Servicios para la Ciencia</a:t>
             </a:r>
-            <a:endParaRPr lang="es-MX" sz="2400" b="1" i="1" dirty="0">
-              <a:solidFill>
-                <a:srgbClr val="A50021"/>
-              </a:solidFill>
-              <a:latin typeface="+mn-lt"/>
-            </a:endParaRPr>
           </a:p>
         </p:txBody>
       </p:sp>
@@ -1424,7 +1418,7 @@
           </a:lstStyle>
           <a:p>
             <a:r>
-              <a:rPr lang="es-ES" smtClean="0"/>
+              <a:rPr lang="es-ES"/>
               <a:t>Haga clic para modificar el estilo de título del patrón</a:t>
             </a:r>
             <a:endParaRPr lang="es-MX"/>
@@ -1544,7 +1538,7 @@
           <a:p>
             <a:pPr lvl="0"/>
             <a:r>
-              <a:rPr lang="es-ES" smtClean="0"/>
+              <a:rPr lang="es-ES"/>
               <a:t>Haga clic para modificar el estilo de texto del patrón</a:t>
             </a:r>
           </a:p>
@@ -1567,7 +1561,7 @@
           <a:p>
             <a:fld id="{005BD863-90F7-46B4-97C8-ECF37E38BBEF}" type="datetimeFigureOut">
               <a:rPr lang="es-MX" smtClean="0"/>
-              <a:t>22/08/2020</a:t>
+              <a:t>24/01/2022</a:t>
             </a:fld>
             <a:endParaRPr lang="es-MX"/>
           </a:p>
@@ -1661,7 +1655,7 @@
           <a:lstStyle/>
           <a:p>
             <a:r>
-              <a:rPr lang="es-ES" smtClean="0"/>
+              <a:rPr lang="es-ES"/>
               <a:t>Haga clic para modificar el estilo de título del patrón</a:t>
             </a:r>
             <a:endParaRPr lang="es-MX"/>
@@ -1690,35 +1684,35 @@
           <a:p>
             <a:pPr lvl="0"/>
             <a:r>
-              <a:rPr lang="es-ES" smtClean="0"/>
+              <a:rPr lang="es-ES"/>
               <a:t>Haga clic para modificar el estilo de texto del patrón</a:t>
             </a:r>
           </a:p>
           <a:p>
             <a:pPr lvl="1"/>
             <a:r>
-              <a:rPr lang="es-ES" smtClean="0"/>
+              <a:rPr lang="es-ES"/>
               <a:t>Segundo nivel</a:t>
             </a:r>
           </a:p>
           <a:p>
             <a:pPr lvl="2"/>
             <a:r>
-              <a:rPr lang="es-ES" smtClean="0"/>
+              <a:rPr lang="es-ES"/>
               <a:t>Tercer nivel</a:t>
             </a:r>
           </a:p>
           <a:p>
             <a:pPr lvl="3"/>
             <a:r>
-              <a:rPr lang="es-ES" smtClean="0"/>
+              <a:rPr lang="es-ES"/>
               <a:t>Cuarto nivel</a:t>
             </a:r>
           </a:p>
           <a:p>
             <a:pPr lvl="4"/>
             <a:r>
-              <a:rPr lang="es-ES" smtClean="0"/>
+              <a:rPr lang="es-ES"/>
               <a:t>Quinto nivel</a:t>
             </a:r>
             <a:endParaRPr lang="es-MX"/>
@@ -1747,35 +1741,35 @@
           <a:p>
             <a:pPr lvl="0"/>
             <a:r>
-              <a:rPr lang="es-ES" smtClean="0"/>
+              <a:rPr lang="es-ES"/>
               <a:t>Haga clic para modificar el estilo de texto del patrón</a:t>
             </a:r>
           </a:p>
           <a:p>
             <a:pPr lvl="1"/>
             <a:r>
-              <a:rPr lang="es-ES" smtClean="0"/>
+              <a:rPr lang="es-ES"/>
               <a:t>Segundo nivel</a:t>
             </a:r>
           </a:p>
           <a:p>
             <a:pPr lvl="2"/>
             <a:r>
-              <a:rPr lang="es-ES" smtClean="0"/>
+              <a:rPr lang="es-ES"/>
               <a:t>Tercer nivel</a:t>
             </a:r>
           </a:p>
           <a:p>
             <a:pPr lvl="3"/>
             <a:r>
-              <a:rPr lang="es-ES" smtClean="0"/>
+              <a:rPr lang="es-ES"/>
               <a:t>Cuarto nivel</a:t>
             </a:r>
           </a:p>
           <a:p>
             <a:pPr lvl="4"/>
             <a:r>
-              <a:rPr lang="es-ES" smtClean="0"/>
+              <a:rPr lang="es-ES"/>
               <a:t>Quinto nivel</a:t>
             </a:r>
             <a:endParaRPr lang="es-MX"/>
@@ -1799,7 +1793,7 @@
           <a:p>
             <a:fld id="{005BD863-90F7-46B4-97C8-ECF37E38BBEF}" type="datetimeFigureOut">
               <a:rPr lang="es-MX" smtClean="0"/>
-              <a:t>22/08/2020</a:t>
+              <a:t>24/01/2022</a:t>
             </a:fld>
             <a:endParaRPr lang="es-MX"/>
           </a:p>
@@ -1898,7 +1892,7 @@
           <a:lstStyle/>
           <a:p>
             <a:r>
-              <a:rPr lang="es-ES" smtClean="0"/>
+              <a:rPr lang="es-ES"/>
               <a:t>Haga clic para modificar el estilo de título del patrón</a:t>
             </a:r>
             <a:endParaRPr lang="es-MX"/>
@@ -1964,7 +1958,7 @@
           <a:p>
             <a:pPr lvl="0"/>
             <a:r>
-              <a:rPr lang="es-ES" smtClean="0"/>
+              <a:rPr lang="es-ES"/>
               <a:t>Haga clic para modificar el estilo de texto del patrón</a:t>
             </a:r>
           </a:p>
@@ -1992,35 +1986,35 @@
           <a:p>
             <a:pPr lvl="0"/>
             <a:r>
-              <a:rPr lang="es-ES" smtClean="0"/>
+              <a:rPr lang="es-ES"/>
               <a:t>Haga clic para modificar el estilo de texto del patrón</a:t>
             </a:r>
           </a:p>
           <a:p>
             <a:pPr lvl="1"/>
             <a:r>
-              <a:rPr lang="es-ES" smtClean="0"/>
+              <a:rPr lang="es-ES"/>
               <a:t>Segundo nivel</a:t>
             </a:r>
           </a:p>
           <a:p>
             <a:pPr lvl="2"/>
             <a:r>
-              <a:rPr lang="es-ES" smtClean="0"/>
+              <a:rPr lang="es-ES"/>
               <a:t>Tercer nivel</a:t>
             </a:r>
           </a:p>
           <a:p>
             <a:pPr lvl="3"/>
             <a:r>
-              <a:rPr lang="es-ES" smtClean="0"/>
+              <a:rPr lang="es-ES"/>
               <a:t>Cuarto nivel</a:t>
             </a:r>
           </a:p>
           <a:p>
             <a:pPr lvl="4"/>
             <a:r>
-              <a:rPr lang="es-ES" smtClean="0"/>
+              <a:rPr lang="es-ES"/>
               <a:t>Quinto nivel</a:t>
             </a:r>
             <a:endParaRPr lang="es-MX"/>
@@ -2086,7 +2080,7 @@
           <a:p>
             <a:pPr lvl="0"/>
             <a:r>
-              <a:rPr lang="es-ES" smtClean="0"/>
+              <a:rPr lang="es-ES"/>
               <a:t>Haga clic para modificar el estilo de texto del patrón</a:t>
             </a:r>
           </a:p>
@@ -2114,35 +2108,35 @@
           <a:p>
             <a:pPr lvl="0"/>
             <a:r>
-              <a:rPr lang="es-ES" smtClean="0"/>
+              <a:rPr lang="es-ES"/>
               <a:t>Haga clic para modificar el estilo de texto del patrón</a:t>
             </a:r>
           </a:p>
           <a:p>
             <a:pPr lvl="1"/>
             <a:r>
-              <a:rPr lang="es-ES" smtClean="0"/>
+              <a:rPr lang="es-ES"/>
               <a:t>Segundo nivel</a:t>
             </a:r>
           </a:p>
           <a:p>
             <a:pPr lvl="2"/>
             <a:r>
-              <a:rPr lang="es-ES" smtClean="0"/>
+              <a:rPr lang="es-ES"/>
               <a:t>Tercer nivel</a:t>
             </a:r>
           </a:p>
           <a:p>
             <a:pPr lvl="3"/>
             <a:r>
-              <a:rPr lang="es-ES" smtClean="0"/>
+              <a:rPr lang="es-ES"/>
               <a:t>Cuarto nivel</a:t>
             </a:r>
           </a:p>
           <a:p>
             <a:pPr lvl="4"/>
             <a:r>
-              <a:rPr lang="es-ES" smtClean="0"/>
+              <a:rPr lang="es-ES"/>
               <a:t>Quinto nivel</a:t>
             </a:r>
             <a:endParaRPr lang="es-MX"/>
@@ -2166,7 +2160,7 @@
           <a:p>
             <a:fld id="{005BD863-90F7-46B4-97C8-ECF37E38BBEF}" type="datetimeFigureOut">
               <a:rPr lang="es-MX" smtClean="0"/>
-              <a:t>22/08/2020</a:t>
+              <a:t>24/01/2022</a:t>
             </a:fld>
             <a:endParaRPr lang="es-MX"/>
           </a:p>
@@ -2260,7 +2254,7 @@
           <a:lstStyle/>
           <a:p>
             <a:r>
-              <a:rPr lang="es-ES" smtClean="0"/>
+              <a:rPr lang="es-ES"/>
               <a:t>Haga clic para modificar el estilo de título del patrón</a:t>
             </a:r>
             <a:endParaRPr lang="es-MX"/>
@@ -2284,7 +2278,7 @@
           <a:p>
             <a:fld id="{005BD863-90F7-46B4-97C8-ECF37E38BBEF}" type="datetimeFigureOut">
               <a:rPr lang="es-MX" smtClean="0"/>
-              <a:t>22/08/2020</a:t>
+              <a:t>24/01/2022</a:t>
             </a:fld>
             <a:endParaRPr lang="es-MX"/>
           </a:p>
@@ -2379,7 +2373,7 @@
           <a:p>
             <a:fld id="{005BD863-90F7-46B4-97C8-ECF37E38BBEF}" type="datetimeFigureOut">
               <a:rPr lang="es-MX" smtClean="0"/>
-              <a:t>22/08/2020</a:t>
+              <a:t>24/01/2022</a:t>
             </a:fld>
             <a:endParaRPr lang="es-MX"/>
           </a:p>
@@ -2482,7 +2476,7 @@
           </a:lstStyle>
           <a:p>
             <a:r>
-              <a:rPr lang="es-ES" smtClean="0"/>
+              <a:rPr lang="es-ES"/>
               <a:t>Haga clic para modificar el estilo de título del patrón</a:t>
             </a:r>
             <a:endParaRPr lang="es-MX"/>
@@ -2539,35 +2533,35 @@
           <a:p>
             <a:pPr lvl="0"/>
             <a:r>
-              <a:rPr lang="es-ES" smtClean="0"/>
+              <a:rPr lang="es-ES"/>
               <a:t>Haga clic para modificar el estilo de texto del patrón</a:t>
             </a:r>
           </a:p>
           <a:p>
             <a:pPr lvl="1"/>
             <a:r>
-              <a:rPr lang="es-ES" smtClean="0"/>
+              <a:rPr lang="es-ES"/>
               <a:t>Segundo nivel</a:t>
             </a:r>
           </a:p>
           <a:p>
             <a:pPr lvl="2"/>
             <a:r>
-              <a:rPr lang="es-ES" smtClean="0"/>
+              <a:rPr lang="es-ES"/>
               <a:t>Tercer nivel</a:t>
             </a:r>
           </a:p>
           <a:p>
             <a:pPr lvl="3"/>
             <a:r>
-              <a:rPr lang="es-ES" smtClean="0"/>
+              <a:rPr lang="es-ES"/>
               <a:t>Cuarto nivel</a:t>
             </a:r>
           </a:p>
           <a:p>
             <a:pPr lvl="4"/>
             <a:r>
-              <a:rPr lang="es-ES" smtClean="0"/>
+              <a:rPr lang="es-ES"/>
               <a:t>Quinto nivel</a:t>
             </a:r>
             <a:endParaRPr lang="es-MX"/>
@@ -2633,7 +2627,7 @@
           <a:p>
             <a:pPr lvl="0"/>
             <a:r>
-              <a:rPr lang="es-ES" smtClean="0"/>
+              <a:rPr lang="es-ES"/>
               <a:t>Haga clic para modificar el estilo de texto del patrón</a:t>
             </a:r>
           </a:p>
@@ -2656,7 +2650,7 @@
           <a:p>
             <a:fld id="{005BD863-90F7-46B4-97C8-ECF37E38BBEF}" type="datetimeFigureOut">
               <a:rPr lang="es-MX" smtClean="0"/>
-              <a:t>22/08/2020</a:t>
+              <a:t>24/01/2022</a:t>
             </a:fld>
             <a:endParaRPr lang="es-MX"/>
           </a:p>
@@ -2759,7 +2753,7 @@
           </a:lstStyle>
           <a:p>
             <a:r>
-              <a:rPr lang="es-ES" smtClean="0"/>
+              <a:rPr lang="es-ES"/>
               <a:t>Haga clic para modificar el estilo de título del patrón</a:t>
             </a:r>
             <a:endParaRPr lang="es-MX"/>
@@ -2886,7 +2880,7 @@
           <a:p>
             <a:pPr lvl="0"/>
             <a:r>
-              <a:rPr lang="es-ES" smtClean="0"/>
+              <a:rPr lang="es-ES"/>
               <a:t>Haga clic para modificar el estilo de texto del patrón</a:t>
             </a:r>
           </a:p>
@@ -2909,7 +2903,7 @@
           <a:p>
             <a:fld id="{005BD863-90F7-46B4-97C8-ECF37E38BBEF}" type="datetimeFigureOut">
               <a:rPr lang="es-MX" smtClean="0"/>
-              <a:t>22/08/2020</a:t>
+              <a:t>24/01/2022</a:t>
             </a:fld>
             <a:endParaRPr lang="es-MX"/>
           </a:p>
@@ -3018,7 +3012,7 @@
           <a:lstStyle/>
           <a:p>
             <a:r>
-              <a:rPr lang="es-ES" smtClean="0"/>
+              <a:rPr lang="es-ES"/>
               <a:t>Haga clic para modificar el estilo de título del patrón</a:t>
             </a:r>
             <a:endParaRPr lang="es-MX"/>
@@ -3052,35 +3046,35 @@
           <a:p>
             <a:pPr lvl="0"/>
             <a:r>
-              <a:rPr lang="es-ES" smtClean="0"/>
+              <a:rPr lang="es-ES"/>
               <a:t>Haga clic para modificar el estilo de texto del patrón</a:t>
             </a:r>
           </a:p>
           <a:p>
             <a:pPr lvl="1"/>
             <a:r>
-              <a:rPr lang="es-ES" smtClean="0"/>
+              <a:rPr lang="es-ES"/>
               <a:t>Segundo nivel</a:t>
             </a:r>
           </a:p>
           <a:p>
             <a:pPr lvl="2"/>
             <a:r>
-              <a:rPr lang="es-ES" smtClean="0"/>
+              <a:rPr lang="es-ES"/>
               <a:t>Tercer nivel</a:t>
             </a:r>
           </a:p>
           <a:p>
             <a:pPr lvl="3"/>
             <a:r>
-              <a:rPr lang="es-ES" smtClean="0"/>
+              <a:rPr lang="es-ES"/>
               <a:t>Cuarto nivel</a:t>
             </a:r>
           </a:p>
           <a:p>
             <a:pPr lvl="4"/>
             <a:r>
-              <a:rPr lang="es-ES" smtClean="0"/>
+              <a:rPr lang="es-ES"/>
               <a:t>Quinto nivel</a:t>
             </a:r>
             <a:endParaRPr lang="es-MX"/>
@@ -3122,7 +3116,7 @@
           <a:p>
             <a:fld id="{005BD863-90F7-46B4-97C8-ECF37E38BBEF}" type="datetimeFigureOut">
               <a:rPr lang="es-MX" smtClean="0"/>
-              <a:t>22/08/2020</a:t>
+              <a:t>24/01/2022</a:t>
             </a:fld>
             <a:endParaRPr lang="es-MX"/>
           </a:p>
@@ -3603,7 +3597,7 @@
               <a:tabLst/>
             </a:pPr>
             <a:r>
-              <a:rPr kumimoji="0" lang="es-MX" altLang="es-MX" sz="1200" b="1" i="1" u="none" strike="noStrike" cap="none" normalizeH="0" baseline="0" smtClean="0">
+              <a:rPr kumimoji="0" lang="es-MX" altLang="es-MX" sz="1200" b="1" i="1" u="none" strike="noStrike" cap="none" normalizeH="0" baseline="0">
                 <a:ln>
                   <a:noFill/>
                 </a:ln>
@@ -3618,7 +3612,7 @@
               <a:t>A</a:t>
             </a:r>
             <a:r>
-              <a:rPr kumimoji="0" lang="es-MX" altLang="es-MX" sz="1200" b="1" i="1" u="none" strike="noStrike" cap="none" normalizeH="0" baseline="0" smtClean="0" bmk="">
+              <a:rPr kumimoji="0" lang="es-MX" altLang="es-MX" sz="1200" b="1" i="1" u="none" strike="noStrike" cap="none" normalizeH="0" baseline="0" bmk="">
                 <a:ln>
                   <a:noFill/>
                 </a:ln>
@@ -3633,7 +3627,7 @@
               <a:t>péndice 1</a:t>
             </a:r>
             <a:r>
-              <a:rPr kumimoji="0" lang="es-MX" altLang="es-MX" sz="1200" b="1" i="0" u="none" strike="noStrike" cap="none" normalizeH="0" baseline="0" smtClean="0" bmk="_Toc458978413">
+              <a:rPr kumimoji="0" lang="es-MX" altLang="es-MX" sz="1200" b="1" i="0" u="none" strike="noStrike" cap="none" normalizeH="0" baseline="0" bmk="_Toc458978413">
                 <a:ln>
                   <a:noFill/>
                 </a:ln>
@@ -3647,7 +3641,7 @@
               </a:rPr>
               <a:t>. Señalamiento del área de laboratorio</a:t>
             </a:r>
-            <a:endParaRPr kumimoji="0" lang="es-MX" altLang="es-MX" sz="600" b="0" i="0" u="none" strike="noStrike" cap="none" normalizeH="0" baseline="0" smtClean="0">
+            <a:endParaRPr kumimoji="0" lang="es-MX" altLang="es-MX" sz="600" b="0" i="0" u="none" strike="noStrike" cap="none" normalizeH="0" baseline="0">
               <a:ln>
                 <a:noFill/>
               </a:ln>
@@ -3674,7 +3668,7 @@
               <a:buNone/>
               <a:tabLst/>
             </a:pPr>
-            <a:endParaRPr kumimoji="0" lang="es-MX" altLang="es-MX" sz="1800" b="0" i="0" u="none" strike="noStrike" cap="none" normalizeH="0" baseline="0" smtClean="0">
+            <a:endParaRPr kumimoji="0" lang="es-MX" altLang="es-MX" sz="1800" b="0" i="0" u="none" strike="noStrike" cap="none" normalizeH="0" baseline="0">
               <a:ln>
                 <a:noFill/>
               </a:ln>
@@ -3762,23 +3756,8 @@
               <a:buNone/>
               <a:tabLst/>
             </a:pPr>
-            <a:r>
-              <a:rPr kumimoji="0" lang="es-MX" altLang="es-MX" sz="1200" b="0" i="0" u="none" strike="noStrike" cap="none" normalizeH="0" baseline="0" smtClean="0">
-                <a:ln>
-                  <a:noFill/>
-                </a:ln>
-                <a:solidFill>
-                  <a:schemeClr val="tx1"/>
-                </a:solidFill>
-                <a:effectLst/>
-                <a:latin typeface="Arial" panose="020B0604020202020204" pitchFamily="34" charset="0"/>
-                <a:ea typeface="Calibri" panose="020F0502020204030204" pitchFamily="34" charset="0"/>
-                <a:cs typeface="Arial" panose="020B0604020202020204" pitchFamily="34" charset="0"/>
-              </a:rPr>
-              <a:t/>
-            </a:r>
             <a:br>
-              <a:rPr kumimoji="0" lang="es-MX" altLang="es-MX" sz="1200" b="0" i="0" u="none" strike="noStrike" cap="none" normalizeH="0" baseline="0" smtClean="0">
+              <a:rPr kumimoji="0" lang="es-MX" altLang="es-MX" sz="1200" b="0" i="0" u="none" strike="noStrike" cap="none" normalizeH="0" baseline="0">
                 <a:ln>
                   <a:noFill/>
                 </a:ln>
@@ -3791,7 +3770,7 @@
                 <a:cs typeface="Arial" panose="020B0604020202020204" pitchFamily="34" charset="0"/>
               </a:rPr>
             </a:br>
-            <a:endParaRPr kumimoji="0" lang="es-MX" altLang="es-MX" sz="1800" b="0" i="0" u="none" strike="noStrike" cap="none" normalizeH="0" baseline="0" smtClean="0">
+            <a:endParaRPr kumimoji="0" lang="es-MX" altLang="es-MX" sz="1800" b="0" i="0" u="none" strike="noStrike" cap="none" normalizeH="0" baseline="0">
               <a:ln>
                 <a:noFill/>
               </a:ln>
@@ -3844,10 +3823,9 @@
           <a:p>
             <a:pPr algn="ctr"/>
             <a:r>
-              <a:rPr lang="es-MX" sz="6000" b="1" dirty="0" smtClean="0"/>
+              <a:rPr lang="es-MX" sz="6000" b="1" dirty="0"/>
               <a:t>O B L I G A T O R I O S</a:t>
             </a:r>
-            <a:endParaRPr lang="es-MX" sz="6000" b="1" dirty="0"/>
           </a:p>
         </p:txBody>
       </p:sp>
@@ -3891,10 +3869,9 @@
           <a:p>
             <a:pPr algn="ctr"/>
             <a:r>
-              <a:rPr lang="es-MX" sz="2800" b="1" dirty="0" smtClean="0"/>
+              <a:rPr lang="es-MX" sz="2800" b="1" dirty="0"/>
               <a:t>Bata</a:t>
             </a:r>
-            <a:endParaRPr lang="es-MX" sz="2800" b="1" dirty="0"/>
           </a:p>
         </p:txBody>
       </p:sp>
@@ -3938,10 +3915,9 @@
           <a:p>
             <a:pPr algn="ctr"/>
             <a:r>
-              <a:rPr lang="es-MX" sz="2800" b="1" dirty="0" smtClean="0"/>
+              <a:rPr lang="es-MX" sz="2800" b="1" dirty="0"/>
               <a:t>Lentes</a:t>
             </a:r>
-            <a:endParaRPr lang="es-MX" sz="2800" b="1" dirty="0"/>
           </a:p>
         </p:txBody>
       </p:sp>
@@ -3985,10 +3961,9 @@
           <a:p>
             <a:pPr algn="ctr"/>
             <a:r>
-              <a:rPr lang="es-MX" sz="2800" b="1" dirty="0" smtClean="0"/>
+              <a:rPr lang="es-MX" sz="2800" b="1" dirty="0"/>
               <a:t>Cubre-bocas</a:t>
             </a:r>
-            <a:endParaRPr lang="es-MX" sz="2800" b="1" dirty="0"/>
           </a:p>
         </p:txBody>
       </p:sp>
@@ -4032,10 +4007,9 @@
           <a:p>
             <a:pPr algn="ctr"/>
             <a:r>
-              <a:rPr lang="es-MX" sz="2800" b="1" dirty="0" smtClean="0"/>
+              <a:rPr lang="es-MX" sz="2800" b="1" dirty="0"/>
               <a:t>Guantes</a:t>
             </a:r>
-            <a:endParaRPr lang="es-MX" sz="2800" b="1" dirty="0"/>
           </a:p>
         </p:txBody>
       </p:sp>
